--- a/presentation/BDD and Page Objects.pptx
+++ b/presentation/BDD and Page Objects.pptx
@@ -5,22 +5,24 @@
     <p:sldMasterId id="2147483648" r:id="rId1"/>
   </p:sldMasterIdLst>
   <p:notesMasterIdLst>
-    <p:notesMasterId r:id="rId12"/>
+    <p:notesMasterId r:id="rId14"/>
   </p:notesMasterIdLst>
   <p:handoutMasterIdLst>
-    <p:handoutMasterId r:id="rId13"/>
+    <p:handoutMasterId r:id="rId15"/>
   </p:handoutMasterIdLst>
   <p:sldIdLst>
     <p:sldId id="256" r:id="rId2"/>
     <p:sldId id="262" r:id="rId3"/>
     <p:sldId id="274" r:id="rId4"/>
-    <p:sldId id="272" r:id="rId5"/>
-    <p:sldId id="277" r:id="rId6"/>
-    <p:sldId id="276" r:id="rId7"/>
-    <p:sldId id="278" r:id="rId8"/>
-    <p:sldId id="279" r:id="rId9"/>
-    <p:sldId id="275" r:id="rId10"/>
-    <p:sldId id="257" r:id="rId11"/>
+    <p:sldId id="280" r:id="rId5"/>
+    <p:sldId id="281" r:id="rId6"/>
+    <p:sldId id="272" r:id="rId7"/>
+    <p:sldId id="277" r:id="rId8"/>
+    <p:sldId id="276" r:id="rId9"/>
+    <p:sldId id="278" r:id="rId10"/>
+    <p:sldId id="279" r:id="rId11"/>
+    <p:sldId id="275" r:id="rId12"/>
+    <p:sldId id="257" r:id="rId13"/>
   </p:sldIdLst>
   <p:sldSz cx="9144000" cy="6858000" type="screen4x3"/>
   <p:notesSz cx="6858000" cy="9144000"/>
@@ -161,6 +163,8 @@
           <p14:sldIdLst>
             <p14:sldId id="262"/>
             <p14:sldId id="274"/>
+            <p14:sldId id="280"/>
+            <p14:sldId id="281"/>
             <p14:sldId id="272"/>
             <p14:sldId id="277"/>
             <p14:sldId id="276"/>
@@ -275,7 +279,7 @@
           <a:p>
             <a:fld id="{43B1271D-ABB1-4ACC-84F9-F1ACFC54A7E7}" type="datetimeFigureOut">
               <a:rPr lang="en-US" smtClean="0"/>
-              <a:t>11/16/2013</a:t>
+              <a:t>11/28/2013</a:t>
             </a:fld>
             <a:endParaRPr lang="en-US" dirty="0"/>
           </a:p>
@@ -1016,7 +1020,7 @@
             <a:fld id="{10602448-4E13-4913-9AC4-A45179CDECCD}" type="slidenum">
               <a:rPr lang="fi-FI" smtClean="0"/>
               <a:pPr/>
-              <a:t>7</a:t>
+              <a:t>9</a:t>
             </a:fld>
             <a:endParaRPr lang="fi-FI"/>
           </a:p>
@@ -1101,7 +1105,7 @@
             <a:fld id="{10602448-4E13-4913-9AC4-A45179CDECCD}" type="slidenum">
               <a:rPr lang="fi-FI" smtClean="0"/>
               <a:pPr/>
-              <a:t>8</a:t>
+              <a:t>10</a:t>
             </a:fld>
             <a:endParaRPr lang="fi-FI"/>
           </a:p>
@@ -1186,7 +1190,7 @@
             <a:fld id="{10602448-4E13-4913-9AC4-A45179CDECCD}" type="slidenum">
               <a:rPr lang="fi-FI" smtClean="0"/>
               <a:pPr/>
-              <a:t>9</a:t>
+              <a:t>11</a:t>
             </a:fld>
             <a:endParaRPr lang="fi-FI"/>
           </a:p>
@@ -2764,6 +2768,255 @@
       </p:grpSpPr>
       <p:sp>
         <p:nvSpPr>
+          <p:cNvPr id="15" name="Text Placeholder 14"/>
+          <p:cNvSpPr>
+            <a:spLocks noGrp="1"/>
+          </p:cNvSpPr>
+          <p:nvPr>
+            <p:ph type="body" sz="quarter" idx="21"/>
+          </p:nvPr>
+        </p:nvSpPr>
+        <p:spPr/>
+        <p:txBody>
+          <a:bodyPr/>
+          <a:lstStyle/>
+          <a:p>
+            <a:r>
+              <a:rPr lang="en-US" dirty="0" smtClean="0"/>
+              <a:t>Page Objects</a:t>
+            </a:r>
+            <a:endParaRPr lang="en-US" dirty="0"/>
+          </a:p>
+        </p:txBody>
+      </p:sp>
+      <p:sp>
+        <p:nvSpPr>
+          <p:cNvPr id="11" name="Rectangle 2"/>
+          <p:cNvSpPr>
+            <a:spLocks noChangeArrowheads="1"/>
+          </p:cNvSpPr>
+          <p:nvPr/>
+        </p:nvSpPr>
+        <p:spPr bwMode="auto">
+          <a:xfrm>
+            <a:off x="683567" y="1340767"/>
+            <a:ext cx="14684437" cy="45719"/>
+          </a:xfrm>
+          <a:prstGeom prst="rect">
+            <a:avLst/>
+          </a:prstGeom>
+          <a:noFill/>
+          <a:ln>
+            <a:noFill/>
+          </a:ln>
+          <a:effectLst/>
+          <a:extLst>
+            <a:ext uri="{909E8E84-426E-40DD-AFC4-6F175D3DCCD1}">
+              <a14:hiddenFill xmlns:a14="http://schemas.microsoft.com/office/drawing/2010/main">
+                <a:solidFill>
+                  <a:schemeClr val="accent1"/>
+                </a:solidFill>
+              </a14:hiddenFill>
+            </a:ext>
+            <a:ext uri="{91240B29-F687-4F45-9708-019B960494DF}">
+              <a14:hiddenLine xmlns:a14="http://schemas.microsoft.com/office/drawing/2010/main" w="9525">
+                <a:solidFill>
+                  <a:schemeClr val="tx1"/>
+                </a:solidFill>
+                <a:miter lim="800000"/>
+                <a:headEnd/>
+                <a:tailEnd/>
+              </a14:hiddenLine>
+            </a:ext>
+            <a:ext uri="{AF507438-7753-43E0-B8FC-AC1667EBCBE1}">
+              <a14:hiddenEffects xmlns:a14="http://schemas.microsoft.com/office/drawing/2010/main">
+                <a:effectLst>
+                  <a:outerShdw dist="35921" dir="2700000" algn="ctr" rotWithShape="0">
+                    <a:schemeClr val="bg2"/>
+                  </a:outerShdw>
+                </a:effectLst>
+              </a14:hiddenEffects>
+            </a:ext>
+          </a:extLst>
+        </p:spPr>
+        <p:txBody>
+          <a:bodyPr vert="horz" wrap="square" lIns="91440" tIns="45720" rIns="91440" bIns="45720" numCol="1" anchor="ctr" anchorCtr="0" compatLnSpc="1">
+            <a:prstTxWarp prst="textNoShape">
+              <a:avLst/>
+            </a:prstTxWarp>
+            <a:spAutoFit/>
+          </a:bodyPr>
+          <a:lstStyle/>
+          <a:p>
+            <a:endParaRPr lang="en-GB"/>
+          </a:p>
+        </p:txBody>
+      </p:sp>
+      <p:pic>
+        <p:nvPicPr>
+          <p:cNvPr id="5" name="Picture 4"/>
+          <p:cNvPicPr/>
+          <p:nvPr/>
+        </p:nvPicPr>
+        <p:blipFill>
+          <a:blip r:embed="rId3"/>
+          <a:stretch>
+            <a:fillRect/>
+          </a:stretch>
+        </p:blipFill>
+        <p:spPr>
+          <a:xfrm>
+            <a:off x="656207" y="4005064"/>
+            <a:ext cx="8208912" cy="2088232"/>
+          </a:xfrm>
+          <a:prstGeom prst="rect">
+            <a:avLst/>
+          </a:prstGeom>
+        </p:spPr>
+      </p:pic>
+      <p:pic>
+        <p:nvPicPr>
+          <p:cNvPr id="7" name="Picture 6"/>
+          <p:cNvPicPr/>
+          <p:nvPr/>
+        </p:nvPicPr>
+        <p:blipFill>
+          <a:blip r:embed="rId4"/>
+          <a:stretch>
+            <a:fillRect/>
+          </a:stretch>
+        </p:blipFill>
+        <p:spPr>
+          <a:xfrm>
+            <a:off x="656207" y="1392187"/>
+            <a:ext cx="5832648" cy="2312947"/>
+          </a:xfrm>
+          <a:prstGeom prst="rect">
+            <a:avLst/>
+          </a:prstGeom>
+        </p:spPr>
+      </p:pic>
+    </p:spTree>
+    <p:extLst>
+      <p:ext uri="{BB962C8B-B14F-4D97-AF65-F5344CB8AC3E}">
+        <p14:creationId xmlns:p14="http://schemas.microsoft.com/office/powerpoint/2010/main" val="1877169726"/>
+      </p:ext>
+    </p:extLst>
+  </p:cSld>
+  <p:clrMapOvr>
+    <a:masterClrMapping/>
+  </p:clrMapOvr>
+  <p:timing>
+    <p:tnLst>
+      <p:par>
+        <p:cTn id="1" dur="indefinite" restart="never" nodeType="tmRoot"/>
+      </p:par>
+    </p:tnLst>
+  </p:timing>
+</p:sld>
+</file>
+
+<file path=ppt/slides/slide11.xml><?xml version="1.0" encoding="utf-8"?>
+<p:sld xmlns:a="http://schemas.openxmlformats.org/drawingml/2006/main" xmlns:r="http://schemas.openxmlformats.org/officeDocument/2006/relationships" xmlns:p="http://schemas.openxmlformats.org/presentationml/2006/main">
+  <p:cSld>
+    <p:spTree>
+      <p:nvGrpSpPr>
+        <p:cNvPr id="1" name=""/>
+        <p:cNvGrpSpPr/>
+        <p:nvPr/>
+      </p:nvGrpSpPr>
+      <p:grpSpPr>
+        <a:xfrm>
+          <a:off x="0" y="0"/>
+          <a:ext cx="0" cy="0"/>
+          <a:chOff x="0" y="0"/>
+          <a:chExt cx="0" cy="0"/>
+        </a:xfrm>
+      </p:grpSpPr>
+      <p:sp>
+        <p:nvSpPr>
+          <p:cNvPr id="15" name="Text Placeholder 14"/>
+          <p:cNvSpPr>
+            <a:spLocks noGrp="1"/>
+          </p:cNvSpPr>
+          <p:nvPr>
+            <p:ph type="body" sz="quarter" idx="21"/>
+          </p:nvPr>
+        </p:nvSpPr>
+        <p:spPr/>
+        <p:txBody>
+          <a:bodyPr/>
+          <a:lstStyle/>
+          <a:p>
+            <a:r>
+              <a:rPr lang="en-US" dirty="0" smtClean="0"/>
+              <a:t>Example, The Calculator</a:t>
+            </a:r>
+            <a:endParaRPr lang="en-US" dirty="0"/>
+          </a:p>
+        </p:txBody>
+      </p:sp>
+      <p:pic>
+        <p:nvPicPr>
+          <p:cNvPr id="4" name="Picture 3"/>
+          <p:cNvPicPr/>
+          <p:nvPr/>
+        </p:nvPicPr>
+        <p:blipFill>
+          <a:blip r:embed="rId2"/>
+          <a:stretch>
+            <a:fillRect/>
+          </a:stretch>
+        </p:blipFill>
+        <p:spPr>
+          <a:xfrm>
+            <a:off x="1043608" y="1988840"/>
+            <a:ext cx="7128842" cy="3816424"/>
+          </a:xfrm>
+          <a:prstGeom prst="rect">
+            <a:avLst/>
+          </a:prstGeom>
+        </p:spPr>
+      </p:pic>
+    </p:spTree>
+    <p:extLst>
+      <p:ext uri="{BB962C8B-B14F-4D97-AF65-F5344CB8AC3E}">
+        <p14:creationId xmlns:p14="http://schemas.microsoft.com/office/powerpoint/2010/main" val="872848841"/>
+      </p:ext>
+    </p:extLst>
+  </p:cSld>
+  <p:clrMapOvr>
+    <a:masterClrMapping/>
+  </p:clrMapOvr>
+  <p:timing>
+    <p:tnLst>
+      <p:par>
+        <p:cTn id="1" dur="indefinite" restart="never" nodeType="tmRoot"/>
+      </p:par>
+    </p:tnLst>
+  </p:timing>
+</p:sld>
+</file>
+
+<file path=ppt/slides/slide12.xml><?xml version="1.0" encoding="utf-8"?>
+<p:sld xmlns:a="http://schemas.openxmlformats.org/drawingml/2006/main" xmlns:r="http://schemas.openxmlformats.org/officeDocument/2006/relationships" xmlns:p="http://schemas.openxmlformats.org/presentationml/2006/main">
+  <p:cSld>
+    <p:spTree>
+      <p:nvGrpSpPr>
+        <p:cNvPr id="1" name=""/>
+        <p:cNvGrpSpPr/>
+        <p:nvPr/>
+      </p:nvGrpSpPr>
+      <p:grpSpPr>
+        <a:xfrm>
+          <a:off x="0" y="0"/>
+          <a:ext cx="0" cy="0"/>
+          <a:chOff x="0" y="0"/>
+          <a:chExt cx="0" cy="0"/>
+        </a:xfrm>
+      </p:grpSpPr>
+      <p:sp>
+        <p:nvSpPr>
           <p:cNvPr id="7" name="Text Placeholder 6"/>
           <p:cNvSpPr>
             <a:spLocks noGrp="1"/>
@@ -2852,7 +3105,6 @@
               <a:rPr lang="en-US" dirty="0" smtClean="0"/>
               <a:t>BDD</a:t>
             </a:r>
-            <a:endParaRPr lang="en-US" dirty="0" smtClean="0"/>
           </a:p>
         </p:txBody>
       </p:sp>
@@ -3084,7 +3336,6 @@
               <a:rPr lang="en-US" kern="0" dirty="0" smtClean="0"/>
               <a:t>. </a:t>
             </a:r>
-            <a:endParaRPr lang="en-US" kern="0" dirty="0" smtClean="0"/>
           </a:p>
           <a:p>
             <a:r>
@@ -3167,14 +3418,19 @@
         </p:nvSpPr>
         <p:spPr>
           <a:xfrm>
-            <a:off x="971600" y="1700809"/>
-            <a:ext cx="2204174" cy="3408562"/>
+            <a:off x="827584" y="1700809"/>
+            <a:ext cx="2348190" cy="3408562"/>
           </a:xfrm>
         </p:spPr>
         <p:txBody>
           <a:bodyPr/>
           <a:lstStyle/>
           <a:p>
+            <a:pPr algn="l"/>
+            <a:r>
+              <a:rPr lang="en-GB" dirty="0" smtClean="0"/>
+              <a:t>    Software Development Process</a:t>
+            </a:r>
             <a:endParaRPr lang="en-GB" dirty="0"/>
           </a:p>
         </p:txBody>
@@ -3199,6 +3455,10 @@
           <a:bodyPr/>
           <a:lstStyle/>
           <a:p>
+            <a:r>
+              <a:rPr lang="en-GB" dirty="0" smtClean="0"/>
+              <a:t>What is it for ?</a:t>
+            </a:r>
             <a:endParaRPr lang="en-GB" dirty="0"/>
           </a:p>
         </p:txBody>
@@ -3223,53 +3483,22 @@
           <a:bodyPr/>
           <a:lstStyle/>
           <a:p>
-            <a:endParaRPr lang="en-GB" dirty="0"/>
-          </a:p>
-        </p:txBody>
-      </p:sp>
-      <p:sp>
-        <p:nvSpPr>
-          <p:cNvPr id="16" name="Text Placeholder 1"/>
-          <p:cNvSpPr>
-            <a:spLocks noGrp="1"/>
-          </p:cNvSpPr>
-          <p:nvPr>
-            <p:ph type="body" sz="quarter" idx="12"/>
-          </p:nvPr>
-        </p:nvSpPr>
-        <p:spPr>
-          <a:xfrm>
-            <a:off x="3415575" y="4365104"/>
-            <a:ext cx="4990410" cy="744267"/>
-          </a:xfrm>
-        </p:spPr>
-        <p:txBody>
-          <a:bodyPr/>
-          <a:lstStyle/>
-          <a:p>
-            <a:endParaRPr lang="en-GB" dirty="0"/>
-          </a:p>
-        </p:txBody>
-      </p:sp>
-      <p:sp>
-        <p:nvSpPr>
-          <p:cNvPr id="23" name="Text Placeholder 1"/>
-          <p:cNvSpPr>
-            <a:spLocks noGrp="1"/>
-          </p:cNvSpPr>
-          <p:nvPr>
-            <p:ph type="body" sz="quarter" idx="12"/>
-          </p:nvPr>
-        </p:nvSpPr>
-        <p:spPr>
-          <a:xfrm>
-            <a:off x="3415575" y="3471041"/>
-            <a:ext cx="5007920" cy="744267"/>
-          </a:xfrm>
-        </p:spPr>
-        <p:txBody>
-          <a:bodyPr/>
-          <a:lstStyle/>
+            <a:r>
+              <a:rPr lang="fi-FI" dirty="0" err="1" smtClean="0">
+                <a:ea typeface="Segoe UI" panose="020B0502040204020203" pitchFamily="34" charset="0"/>
+              </a:rPr>
+              <a:t>Why</a:t>
+            </a:r>
+            <a:r>
+              <a:rPr lang="fi-FI" dirty="0" smtClean="0">
+                <a:ea typeface="Segoe UI" panose="020B0502040204020203" pitchFamily="34" charset="0"/>
+              </a:rPr>
+              <a:t> BDD?</a:t>
+            </a:r>
+            <a:endParaRPr lang="fi-FI" kern="1200" dirty="0">
+              <a:ea typeface="Segoe UI" panose="020B0502040204020203" pitchFamily="34" charset="0"/>
+            </a:endParaRPr>
+          </a:p>
           <a:p>
             <a:endParaRPr lang="en-GB" dirty="0"/>
           </a:p>
@@ -3314,6 +3543,729 @@
       </p:grpSpPr>
       <p:sp>
         <p:nvSpPr>
+          <p:cNvPr id="2" name="Dian numeron paikkamerkki 1"/>
+          <p:cNvSpPr>
+            <a:spLocks noGrp="1"/>
+          </p:cNvSpPr>
+          <p:nvPr>
+            <p:ph type="sldNum" sz="quarter" idx="11"/>
+          </p:nvPr>
+        </p:nvSpPr>
+        <p:spPr/>
+        <p:txBody>
+          <a:bodyPr/>
+          <a:lstStyle/>
+          <a:p>
+            <a:fld id="{CCA17B18-4807-4AC3-B660-1AB3031BAE33}" type="slidenum">
+              <a:rPr lang="fi-FI" smtClean="0"/>
+              <a:pPr/>
+              <a:t>5</a:t>
+            </a:fld>
+            <a:endParaRPr lang="fi-FI" dirty="0"/>
+          </a:p>
+        </p:txBody>
+      </p:sp>
+      <p:sp>
+        <p:nvSpPr>
+          <p:cNvPr id="3" name="Tekstin paikkamerkki 2"/>
+          <p:cNvSpPr>
+            <a:spLocks noGrp="1"/>
+          </p:cNvSpPr>
+          <p:nvPr>
+            <p:ph type="body" sz="quarter" idx="12"/>
+          </p:nvPr>
+        </p:nvSpPr>
+        <p:spPr/>
+        <p:txBody>
+          <a:bodyPr/>
+          <a:lstStyle/>
+          <a:p>
+            <a:r>
+              <a:rPr lang="fi-FI" dirty="0" err="1" smtClean="0"/>
+              <a:t>Waterfall</a:t>
+            </a:r>
+            <a:endParaRPr lang="fi-FI" dirty="0"/>
+          </a:p>
+        </p:txBody>
+      </p:sp>
+      <p:sp>
+        <p:nvSpPr>
+          <p:cNvPr id="4" name="Tekstin paikkamerkki 3"/>
+          <p:cNvSpPr>
+            <a:spLocks noGrp="1"/>
+          </p:cNvSpPr>
+          <p:nvPr>
+            <p:ph type="body" sz="quarter" idx="13"/>
+          </p:nvPr>
+        </p:nvSpPr>
+        <p:spPr/>
+        <p:txBody>
+          <a:bodyPr/>
+          <a:lstStyle/>
+          <a:p>
+            <a:r>
+              <a:rPr lang="fi-FI" dirty="0" smtClean="0"/>
+              <a:t>V </a:t>
+            </a:r>
+            <a:r>
+              <a:rPr lang="fi-FI" dirty="0" err="1" smtClean="0"/>
+              <a:t>model</a:t>
+            </a:r>
+            <a:endParaRPr lang="fi-FI" dirty="0"/>
+          </a:p>
+        </p:txBody>
+      </p:sp>
+      <p:sp>
+        <p:nvSpPr>
+          <p:cNvPr id="5" name="Tekstin paikkamerkki 4"/>
+          <p:cNvSpPr>
+            <a:spLocks noGrp="1"/>
+          </p:cNvSpPr>
+          <p:nvPr>
+            <p:ph type="body" sz="quarter" idx="14"/>
+          </p:nvPr>
+        </p:nvSpPr>
+        <p:spPr/>
+        <p:txBody>
+          <a:bodyPr/>
+          <a:lstStyle/>
+          <a:p>
+            <a:r>
+              <a:rPr lang="fi-FI" dirty="0" err="1" smtClean="0"/>
+              <a:t>Unified</a:t>
+            </a:r>
+            <a:r>
+              <a:rPr lang="fi-FI" dirty="0" smtClean="0"/>
+              <a:t> </a:t>
+            </a:r>
+            <a:r>
+              <a:rPr lang="fi-FI" dirty="0" err="1" smtClean="0"/>
+              <a:t>Process</a:t>
+            </a:r>
+            <a:endParaRPr lang="fi-FI" dirty="0"/>
+          </a:p>
+        </p:txBody>
+      </p:sp>
+      <p:sp>
+        <p:nvSpPr>
+          <p:cNvPr id="6" name="Tekstin paikkamerkki 5"/>
+          <p:cNvSpPr>
+            <a:spLocks noGrp="1"/>
+          </p:cNvSpPr>
+          <p:nvPr>
+            <p:ph type="body" sz="quarter" idx="15"/>
+          </p:nvPr>
+        </p:nvSpPr>
+        <p:spPr/>
+        <p:txBody>
+          <a:bodyPr/>
+          <a:lstStyle/>
+          <a:p>
+            <a:r>
+              <a:rPr lang="fi-FI" dirty="0" err="1" smtClean="0"/>
+              <a:t>Scrum</a:t>
+            </a:r>
+            <a:endParaRPr lang="fi-FI" dirty="0"/>
+          </a:p>
+        </p:txBody>
+      </p:sp>
+      <p:sp>
+        <p:nvSpPr>
+          <p:cNvPr id="7" name="Tekstin paikkamerkki 6"/>
+          <p:cNvSpPr>
+            <a:spLocks noGrp="1"/>
+          </p:cNvSpPr>
+          <p:nvPr>
+            <p:ph type="body" sz="quarter" idx="16"/>
+          </p:nvPr>
+        </p:nvSpPr>
+        <p:spPr/>
+        <p:txBody>
+          <a:bodyPr/>
+          <a:lstStyle/>
+          <a:p>
+            <a:r>
+              <a:rPr lang="fi-FI" dirty="0" smtClean="0"/>
+              <a:t>XP</a:t>
+            </a:r>
+            <a:endParaRPr lang="fi-FI" dirty="0"/>
+          </a:p>
+        </p:txBody>
+      </p:sp>
+      <p:sp>
+        <p:nvSpPr>
+          <p:cNvPr id="8" name="Tekstin paikkamerkki 7"/>
+          <p:cNvSpPr>
+            <a:spLocks noGrp="1"/>
+          </p:cNvSpPr>
+          <p:nvPr>
+            <p:ph type="body" sz="quarter" idx="17"/>
+          </p:nvPr>
+        </p:nvSpPr>
+        <p:spPr/>
+        <p:txBody>
+          <a:bodyPr/>
+          <a:lstStyle/>
+          <a:p>
+            <a:r>
+              <a:rPr lang="fi-FI" dirty="0" smtClean="0"/>
+              <a:t>LEAN ?</a:t>
+            </a:r>
+            <a:endParaRPr lang="fi-FI" dirty="0"/>
+          </a:p>
+        </p:txBody>
+      </p:sp>
+      <p:sp>
+        <p:nvSpPr>
+          <p:cNvPr id="9" name="Tekstin paikkamerkki 8"/>
+          <p:cNvSpPr>
+            <a:spLocks noGrp="1"/>
+          </p:cNvSpPr>
+          <p:nvPr>
+            <p:ph type="body" sz="quarter" idx="18"/>
+          </p:nvPr>
+        </p:nvSpPr>
+        <p:spPr/>
+        <p:txBody>
+          <a:bodyPr/>
+          <a:lstStyle/>
+          <a:p>
+            <a:r>
+              <a:rPr lang="fi-FI" dirty="0" err="1" smtClean="0"/>
+              <a:t>Continuous</a:t>
+            </a:r>
+            <a:r>
+              <a:rPr lang="fi-FI" dirty="0"/>
+              <a:t> </a:t>
+            </a:r>
+            <a:r>
+              <a:rPr lang="fi-FI" dirty="0" smtClean="0"/>
+              <a:t>Deployment?</a:t>
+            </a:r>
+            <a:endParaRPr lang="fi-FI" dirty="0"/>
+          </a:p>
+        </p:txBody>
+      </p:sp>
+      <p:sp>
+        <p:nvSpPr>
+          <p:cNvPr id="10" name="Tekstin paikkamerkki 9"/>
+          <p:cNvSpPr>
+            <a:spLocks noGrp="1"/>
+          </p:cNvSpPr>
+          <p:nvPr>
+            <p:ph type="body" sz="quarter" idx="19"/>
+          </p:nvPr>
+        </p:nvSpPr>
+        <p:spPr/>
+        <p:txBody>
+          <a:bodyPr/>
+          <a:lstStyle/>
+          <a:p>
+            <a:r>
+              <a:rPr lang="fi-FI" dirty="0" smtClean="0"/>
+              <a:t>?</a:t>
+            </a:r>
+            <a:endParaRPr lang="fi-FI" dirty="0"/>
+          </a:p>
+        </p:txBody>
+      </p:sp>
+      <p:sp>
+        <p:nvSpPr>
+          <p:cNvPr id="11" name="Tekstin paikkamerkki 10"/>
+          <p:cNvSpPr>
+            <a:spLocks noGrp="1"/>
+          </p:cNvSpPr>
+          <p:nvPr>
+            <p:ph type="body" sz="quarter" idx="20"/>
+          </p:nvPr>
+        </p:nvSpPr>
+        <p:spPr>
+          <a:xfrm>
+            <a:off x="971600" y="1445992"/>
+            <a:ext cx="2376264" cy="3338990"/>
+          </a:xfrm>
+        </p:spPr>
+        <p:txBody>
+          <a:bodyPr/>
+          <a:lstStyle/>
+          <a:p>
+            <a:pPr algn="l"/>
+            <a:r>
+              <a:rPr lang="fi-FI" dirty="0" smtClean="0"/>
+              <a:t>    </a:t>
+            </a:r>
+            <a:r>
+              <a:rPr lang="fi-FI" dirty="0" err="1" smtClean="0"/>
+              <a:t>Are</a:t>
+            </a:r>
+            <a:r>
+              <a:rPr lang="fi-FI" dirty="0" smtClean="0"/>
+              <a:t> </a:t>
+            </a:r>
+            <a:r>
+              <a:rPr lang="fi-FI" dirty="0" err="1" smtClean="0"/>
+              <a:t>we</a:t>
+            </a:r>
+            <a:r>
+              <a:rPr lang="fi-FI" dirty="0" smtClean="0"/>
+              <a:t> </a:t>
+            </a:r>
+            <a:r>
+              <a:rPr lang="fi-FI" dirty="0" err="1" smtClean="0"/>
+              <a:t>building</a:t>
+            </a:r>
+            <a:r>
+              <a:rPr lang="fi-FI" dirty="0" smtClean="0"/>
+              <a:t> the software </a:t>
+            </a:r>
+            <a:r>
+              <a:rPr lang="fi-FI" dirty="0" err="1" smtClean="0"/>
+              <a:t>right</a:t>
+            </a:r>
+            <a:r>
+              <a:rPr lang="fi-FI" dirty="0" smtClean="0"/>
+              <a:t>?</a:t>
+            </a:r>
+            <a:endParaRPr lang="fi-FI" dirty="0"/>
+          </a:p>
+        </p:txBody>
+      </p:sp>
+      <p:sp>
+        <p:nvSpPr>
+          <p:cNvPr id="12" name="Tekstin paikkamerkki 11"/>
+          <p:cNvSpPr>
+            <a:spLocks noGrp="1"/>
+          </p:cNvSpPr>
+          <p:nvPr>
+            <p:ph type="body" sz="quarter" idx="21"/>
+          </p:nvPr>
+        </p:nvSpPr>
+        <p:spPr/>
+        <p:txBody>
+          <a:bodyPr/>
+          <a:lstStyle/>
+          <a:p>
+            <a:r>
+              <a:rPr lang="fi-FI" dirty="0" smtClean="0"/>
+              <a:t>BDD</a:t>
+            </a:r>
+            <a:endParaRPr lang="fi-FI" dirty="0"/>
+          </a:p>
+        </p:txBody>
+      </p:sp>
+    </p:spTree>
+    <p:extLst>
+      <p:ext uri="{BB962C8B-B14F-4D97-AF65-F5344CB8AC3E}">
+        <p14:creationId xmlns:p14="http://schemas.microsoft.com/office/powerpoint/2010/main" val="1745637680"/>
+      </p:ext>
+    </p:extLst>
+  </p:cSld>
+  <p:clrMapOvr>
+    <a:masterClrMapping/>
+  </p:clrMapOvr>
+  <p:timing>
+    <p:tnLst>
+      <p:par>
+        <p:cTn id="1" dur="indefinite" restart="never" nodeType="tmRoot"/>
+      </p:par>
+    </p:tnLst>
+  </p:timing>
+</p:sld>
+</file>
+
+<file path=ppt/slides/slide5.xml><?xml version="1.0" encoding="utf-8"?>
+<p:sld xmlns:a="http://schemas.openxmlformats.org/drawingml/2006/main" xmlns:r="http://schemas.openxmlformats.org/officeDocument/2006/relationships" xmlns:p="http://schemas.openxmlformats.org/presentationml/2006/main">
+  <p:cSld>
+    <p:spTree>
+      <p:nvGrpSpPr>
+        <p:cNvPr id="1" name=""/>
+        <p:cNvGrpSpPr/>
+        <p:nvPr/>
+      </p:nvGrpSpPr>
+      <p:grpSpPr>
+        <a:xfrm>
+          <a:off x="0" y="0"/>
+          <a:ext cx="0" cy="0"/>
+          <a:chOff x="0" y="0"/>
+          <a:chExt cx="0" cy="0"/>
+        </a:xfrm>
+      </p:grpSpPr>
+      <p:sp>
+        <p:nvSpPr>
+          <p:cNvPr id="2" name="Dian numeron paikkamerkki 1"/>
+          <p:cNvSpPr>
+            <a:spLocks noGrp="1"/>
+          </p:cNvSpPr>
+          <p:nvPr>
+            <p:ph type="sldNum" sz="quarter" idx="11"/>
+          </p:nvPr>
+        </p:nvSpPr>
+        <p:spPr/>
+        <p:txBody>
+          <a:bodyPr/>
+          <a:lstStyle/>
+          <a:p>
+            <a:fld id="{CCA17B18-4807-4AC3-B660-1AB3031BAE33}" type="slidenum">
+              <a:rPr lang="fi-FI" smtClean="0"/>
+              <a:pPr/>
+              <a:t>6</a:t>
+            </a:fld>
+            <a:endParaRPr lang="fi-FI" dirty="0"/>
+          </a:p>
+        </p:txBody>
+      </p:sp>
+      <p:sp>
+        <p:nvSpPr>
+          <p:cNvPr id="3" name="Tekstin paikkamerkki 2"/>
+          <p:cNvSpPr>
+            <a:spLocks noGrp="1"/>
+          </p:cNvSpPr>
+          <p:nvPr>
+            <p:ph type="body" sz="quarter" idx="12"/>
+          </p:nvPr>
+        </p:nvSpPr>
+        <p:spPr/>
+        <p:txBody>
+          <a:bodyPr/>
+          <a:lstStyle/>
+          <a:p>
+            <a:r>
+              <a:rPr lang="fi-FI" dirty="0" err="1" smtClean="0"/>
+              <a:t>Communication</a:t>
+            </a:r>
+            <a:endParaRPr lang="fi-FI" dirty="0"/>
+          </a:p>
+        </p:txBody>
+      </p:sp>
+      <p:sp>
+        <p:nvSpPr>
+          <p:cNvPr id="4" name="Tekstin paikkamerkki 3"/>
+          <p:cNvSpPr>
+            <a:spLocks noGrp="1"/>
+          </p:cNvSpPr>
+          <p:nvPr>
+            <p:ph type="body" sz="quarter" idx="13"/>
+          </p:nvPr>
+        </p:nvSpPr>
+        <p:spPr/>
+        <p:txBody>
+          <a:bodyPr/>
+          <a:lstStyle/>
+          <a:p>
+            <a:r>
+              <a:rPr lang="en-GB" dirty="0"/>
+              <a:t>Embrace uncertainty</a:t>
+            </a:r>
+          </a:p>
+        </p:txBody>
+      </p:sp>
+      <p:sp>
+        <p:nvSpPr>
+          <p:cNvPr id="5" name="Tekstin paikkamerkki 4"/>
+          <p:cNvSpPr>
+            <a:spLocks noGrp="1"/>
+          </p:cNvSpPr>
+          <p:nvPr>
+            <p:ph type="body" sz="quarter" idx="14"/>
+          </p:nvPr>
+        </p:nvSpPr>
+        <p:spPr>
+          <a:xfrm>
+            <a:off x="3995936" y="2324693"/>
+            <a:ext cx="4536504" cy="744267"/>
+          </a:xfrm>
+        </p:spPr>
+        <p:txBody>
+          <a:bodyPr/>
+          <a:lstStyle/>
+          <a:p>
+            <a:r>
+              <a:rPr lang="fi-FI" dirty="0" err="1" smtClean="0"/>
+              <a:t>Illustrate</a:t>
+            </a:r>
+            <a:r>
+              <a:rPr lang="fi-FI" dirty="0" smtClean="0"/>
+              <a:t> </a:t>
+            </a:r>
+            <a:r>
+              <a:rPr lang="fi-FI" dirty="0" err="1" smtClean="0"/>
+              <a:t>features</a:t>
+            </a:r>
+            <a:r>
+              <a:rPr lang="fi-FI" dirty="0" smtClean="0"/>
+              <a:t> with </a:t>
+            </a:r>
+            <a:r>
+              <a:rPr lang="fi-FI" dirty="0" err="1" smtClean="0"/>
+              <a:t>concrete</a:t>
+            </a:r>
+            <a:r>
+              <a:rPr lang="fi-FI" dirty="0" smtClean="0"/>
+              <a:t> </a:t>
+            </a:r>
+            <a:r>
+              <a:rPr lang="fi-FI" dirty="0" err="1" smtClean="0"/>
+              <a:t>examples</a:t>
+            </a:r>
+            <a:endParaRPr lang="fi-FI" dirty="0" smtClean="0"/>
+          </a:p>
+          <a:p>
+            <a:pPr algn="l"/>
+            <a:endParaRPr lang="fi-FI" dirty="0"/>
+          </a:p>
+        </p:txBody>
+      </p:sp>
+      <p:sp>
+        <p:nvSpPr>
+          <p:cNvPr id="7" name="Tekstin paikkamerkki 6"/>
+          <p:cNvSpPr>
+            <a:spLocks noGrp="1"/>
+          </p:cNvSpPr>
+          <p:nvPr>
+            <p:ph type="body" sz="quarter" idx="16"/>
+          </p:nvPr>
+        </p:nvSpPr>
+        <p:spPr/>
+        <p:txBody>
+          <a:bodyPr/>
+          <a:lstStyle/>
+          <a:p>
+            <a:r>
+              <a:rPr lang="fi-FI" dirty="0" err="1" smtClean="0"/>
+              <a:t>Executable</a:t>
+            </a:r>
+            <a:r>
+              <a:rPr lang="fi-FI" dirty="0" smtClean="0"/>
+              <a:t> </a:t>
+            </a:r>
+            <a:r>
+              <a:rPr lang="fi-FI" dirty="0" err="1" smtClean="0"/>
+              <a:t>specification</a:t>
+            </a:r>
+            <a:endParaRPr lang="fi-FI" dirty="0"/>
+          </a:p>
+        </p:txBody>
+      </p:sp>
+      <p:sp>
+        <p:nvSpPr>
+          <p:cNvPr id="9" name="Tekstin paikkamerkki 8"/>
+          <p:cNvSpPr>
+            <a:spLocks noGrp="1"/>
+          </p:cNvSpPr>
+          <p:nvPr>
+            <p:ph type="body" sz="quarter" idx="18"/>
+          </p:nvPr>
+        </p:nvSpPr>
+        <p:spPr/>
+        <p:txBody>
+          <a:bodyPr/>
+          <a:lstStyle/>
+          <a:p>
+            <a:r>
+              <a:rPr lang="fi-FI" dirty="0" err="1" smtClean="0"/>
+              <a:t>Easier</a:t>
+            </a:r>
+            <a:r>
+              <a:rPr lang="fi-FI" dirty="0" smtClean="0"/>
+              <a:t> and </a:t>
+            </a:r>
+            <a:r>
+              <a:rPr lang="fi-FI" dirty="0" err="1" smtClean="0"/>
+              <a:t>safer</a:t>
+            </a:r>
+            <a:r>
+              <a:rPr lang="fi-FI" dirty="0" smtClean="0"/>
+              <a:t> </a:t>
+            </a:r>
+            <a:r>
+              <a:rPr lang="fi-FI" dirty="0" err="1" smtClean="0"/>
+              <a:t>changes</a:t>
+            </a:r>
+            <a:endParaRPr lang="fi-FI" dirty="0"/>
+          </a:p>
+        </p:txBody>
+      </p:sp>
+      <p:sp>
+        <p:nvSpPr>
+          <p:cNvPr id="10" name="Tekstin paikkamerkki 9"/>
+          <p:cNvSpPr>
+            <a:spLocks noGrp="1"/>
+          </p:cNvSpPr>
+          <p:nvPr>
+            <p:ph type="body" sz="quarter" idx="19"/>
+          </p:nvPr>
+        </p:nvSpPr>
+        <p:spPr/>
+        <p:txBody>
+          <a:bodyPr/>
+          <a:lstStyle/>
+          <a:p>
+            <a:r>
+              <a:rPr lang="fi-FI" dirty="0" err="1" smtClean="0"/>
+              <a:t>Faster</a:t>
+            </a:r>
+            <a:r>
+              <a:rPr lang="fi-FI" dirty="0" smtClean="0"/>
+              <a:t> </a:t>
+            </a:r>
+            <a:r>
+              <a:rPr lang="fi-FI" dirty="0" err="1" smtClean="0"/>
+              <a:t>releases</a:t>
+            </a:r>
+            <a:endParaRPr lang="fi-FI" dirty="0"/>
+          </a:p>
+        </p:txBody>
+      </p:sp>
+      <p:sp>
+        <p:nvSpPr>
+          <p:cNvPr id="11" name="Tekstin paikkamerkki 10"/>
+          <p:cNvSpPr>
+            <a:spLocks noGrp="1"/>
+          </p:cNvSpPr>
+          <p:nvPr>
+            <p:ph type="body" sz="quarter" idx="20"/>
+          </p:nvPr>
+        </p:nvSpPr>
+        <p:spPr/>
+        <p:txBody>
+          <a:bodyPr/>
+          <a:lstStyle/>
+          <a:p>
+            <a:pPr algn="l"/>
+            <a:r>
+              <a:rPr lang="fi-FI" dirty="0" smtClean="0"/>
+              <a:t>    </a:t>
+            </a:r>
+            <a:r>
+              <a:rPr lang="fi-FI" dirty="0" err="1" smtClean="0"/>
+              <a:t>Are</a:t>
+            </a:r>
+            <a:r>
+              <a:rPr lang="fi-FI" dirty="0" smtClean="0"/>
+              <a:t> </a:t>
+            </a:r>
+            <a:r>
+              <a:rPr lang="fi-FI" dirty="0" err="1" smtClean="0"/>
+              <a:t>we</a:t>
+            </a:r>
+            <a:r>
+              <a:rPr lang="fi-FI" dirty="0" smtClean="0"/>
+              <a:t> </a:t>
+            </a:r>
+            <a:r>
+              <a:rPr lang="fi-FI" dirty="0" err="1" smtClean="0"/>
+              <a:t>building</a:t>
+            </a:r>
+            <a:r>
+              <a:rPr lang="fi-FI" dirty="0" smtClean="0"/>
+              <a:t> the </a:t>
+            </a:r>
+            <a:r>
+              <a:rPr lang="fi-FI" dirty="0" err="1" smtClean="0"/>
+              <a:t>right</a:t>
+            </a:r>
+            <a:r>
+              <a:rPr lang="fi-FI" dirty="0" smtClean="0"/>
+              <a:t> software</a:t>
+            </a:r>
+            <a:endParaRPr lang="fi-FI" dirty="0"/>
+          </a:p>
+        </p:txBody>
+      </p:sp>
+      <p:sp>
+        <p:nvSpPr>
+          <p:cNvPr id="12" name="Tekstin paikkamerkki 11"/>
+          <p:cNvSpPr>
+            <a:spLocks noGrp="1"/>
+          </p:cNvSpPr>
+          <p:nvPr>
+            <p:ph type="body" sz="quarter" idx="21"/>
+          </p:nvPr>
+        </p:nvSpPr>
+        <p:spPr/>
+        <p:txBody>
+          <a:bodyPr/>
+          <a:lstStyle/>
+          <a:p>
+            <a:r>
+              <a:rPr lang="fi-FI" dirty="0" smtClean="0"/>
+              <a:t>BDD</a:t>
+            </a:r>
+            <a:endParaRPr lang="fi-FI" dirty="0"/>
+          </a:p>
+        </p:txBody>
+      </p:sp>
+      <p:sp>
+        <p:nvSpPr>
+          <p:cNvPr id="13" name="Tekstin paikkamerkki 9"/>
+          <p:cNvSpPr>
+            <a:spLocks noGrp="1"/>
+          </p:cNvSpPr>
+          <p:nvPr>
+            <p:ph type="body" sz="quarter" idx="19"/>
+          </p:nvPr>
+        </p:nvSpPr>
+        <p:spPr>
+          <a:xfrm>
+            <a:off x="6300192" y="3212976"/>
+            <a:ext cx="2204174" cy="744267"/>
+          </a:xfrm>
+        </p:spPr>
+        <p:txBody>
+          <a:bodyPr/>
+          <a:lstStyle/>
+          <a:p>
+            <a:r>
+              <a:rPr lang="fi-FI" dirty="0" smtClean="0"/>
+              <a:t>Feedback and </a:t>
+            </a:r>
+            <a:r>
+              <a:rPr lang="fi-FI" dirty="0" err="1" smtClean="0"/>
+              <a:t>learning</a:t>
+            </a:r>
+            <a:endParaRPr lang="fi-FI" dirty="0"/>
+          </a:p>
+        </p:txBody>
+      </p:sp>
+    </p:spTree>
+    <p:extLst>
+      <p:ext uri="{BB962C8B-B14F-4D97-AF65-F5344CB8AC3E}">
+        <p14:creationId xmlns:p14="http://schemas.microsoft.com/office/powerpoint/2010/main" val="2755011273"/>
+      </p:ext>
+    </p:extLst>
+  </p:cSld>
+  <p:clrMapOvr>
+    <a:masterClrMapping/>
+  </p:clrMapOvr>
+  <p:timing>
+    <p:tnLst>
+      <p:par>
+        <p:cTn id="1" dur="indefinite" restart="never" nodeType="tmRoot"/>
+      </p:par>
+    </p:tnLst>
+  </p:timing>
+</p:sld>
+</file>
+
+<file path=ppt/slides/slide6.xml><?xml version="1.0" encoding="utf-8"?>
+<p:sld xmlns:a="http://schemas.openxmlformats.org/drawingml/2006/main" xmlns:r="http://schemas.openxmlformats.org/officeDocument/2006/relationships" xmlns:p="http://schemas.openxmlformats.org/presentationml/2006/main">
+  <p:cSld>
+    <p:spTree>
+      <p:nvGrpSpPr>
+        <p:cNvPr id="1" name=""/>
+        <p:cNvGrpSpPr/>
+        <p:nvPr/>
+      </p:nvGrpSpPr>
+      <p:grpSpPr>
+        <a:xfrm>
+          <a:off x="0" y="0"/>
+          <a:ext cx="0" cy="0"/>
+          <a:chOff x="0" y="0"/>
+          <a:chExt cx="0" cy="0"/>
+        </a:xfrm>
+      </p:grpSpPr>
+      <p:sp>
+        <p:nvSpPr>
           <p:cNvPr id="15" name="Text Placeholder 14"/>
           <p:cNvSpPr>
             <a:spLocks noGrp="1"/>
@@ -3415,30 +4367,6 @@
               <a:rPr lang="en-GB" dirty="0" smtClean="0"/>
               <a:t>Software Testing Automation</a:t>
             </a:r>
-            <a:endParaRPr lang="en-GB" dirty="0"/>
-          </a:p>
-        </p:txBody>
-      </p:sp>
-      <p:sp>
-        <p:nvSpPr>
-          <p:cNvPr id="7" name="Text Placeholder 1"/>
-          <p:cNvSpPr>
-            <a:spLocks noGrp="1"/>
-          </p:cNvSpPr>
-          <p:nvPr>
-            <p:ph type="body" sz="quarter" idx="12"/>
-          </p:nvPr>
-        </p:nvSpPr>
-        <p:spPr>
-          <a:xfrm>
-            <a:off x="3415575" y="4365104"/>
-            <a:ext cx="4990410" cy="744267"/>
-          </a:xfrm>
-        </p:spPr>
-        <p:txBody>
-          <a:bodyPr/>
-          <a:lstStyle/>
-          <a:p>
             <a:endParaRPr lang="en-GB" dirty="0"/>
           </a:p>
         </p:txBody>
@@ -3491,7 +4419,7 @@
 </p:sld>
 </file>
 
-<file path=ppt/slides/slide5.xml><?xml version="1.0" encoding="utf-8"?>
+<file path=ppt/slides/slide7.xml><?xml version="1.0" encoding="utf-8"?>
 <p:sld xmlns:a="http://schemas.openxmlformats.org/drawingml/2006/main" xmlns:r="http://schemas.openxmlformats.org/officeDocument/2006/relationships" xmlns:p="http://schemas.openxmlformats.org/presentationml/2006/main">
   <p:cSld>
     <p:spTree>
@@ -3579,7 +4507,7 @@
 </p:sld>
 </file>
 
-<file path=ppt/slides/slide6.xml><?xml version="1.0" encoding="utf-8"?>
+<file path=ppt/slides/slide8.xml><?xml version="1.0" encoding="utf-8"?>
 <p:sld xmlns:a="http://schemas.openxmlformats.org/drawingml/2006/main" xmlns:r="http://schemas.openxmlformats.org/officeDocument/2006/relationships" xmlns:p="http://schemas.openxmlformats.org/presentationml/2006/main">
   <p:cSld>
     <p:spTree>
@@ -3704,7 +4632,7 @@
           <a:graphicData uri="http://schemas.openxmlformats.org/presentationml/2006/ole">
             <mc:AlternateContent xmlns:mc="http://schemas.openxmlformats.org/markup-compatibility/2006">
               <mc:Choice xmlns:v="urn:schemas-microsoft-com:vml" Requires="v">
-                <p:oleObj spid="_x0000_s1032" name="Visio" r:id="rId4" imgW="4752814" imgH="2733796" progId="Visio.Drawing.15">
+                <p:oleObj spid="_x0000_s1045" name="Visio" r:id="rId4" imgW="4752814" imgH="2733796" progId="Visio.Drawing.15">
                   <p:embed/>
                 </p:oleObj>
               </mc:Choice>
@@ -3769,7 +4697,7 @@
 </p:sld>
 </file>
 
-<file path=ppt/slides/slide7.xml><?xml version="1.0" encoding="utf-8"?>
+<file path=ppt/slides/slide9.xml><?xml version="1.0" encoding="utf-8"?>
 <p:sld xmlns:a="http://schemas.openxmlformats.org/drawingml/2006/main" xmlns:r="http://schemas.openxmlformats.org/officeDocument/2006/relationships" xmlns:p="http://schemas.openxmlformats.org/presentationml/2006/main">
   <p:cSld>
     <p:spTree>
@@ -3898,255 +4826,6 @@
     <p:extLst>
       <p:ext uri="{BB962C8B-B14F-4D97-AF65-F5344CB8AC3E}">
         <p14:creationId xmlns:p14="http://schemas.microsoft.com/office/powerpoint/2010/main" val="2958140449"/>
-      </p:ext>
-    </p:extLst>
-  </p:cSld>
-  <p:clrMapOvr>
-    <a:masterClrMapping/>
-  </p:clrMapOvr>
-  <p:timing>
-    <p:tnLst>
-      <p:par>
-        <p:cTn id="1" dur="indefinite" restart="never" nodeType="tmRoot"/>
-      </p:par>
-    </p:tnLst>
-  </p:timing>
-</p:sld>
-</file>
-
-<file path=ppt/slides/slide8.xml><?xml version="1.0" encoding="utf-8"?>
-<p:sld xmlns:a="http://schemas.openxmlformats.org/drawingml/2006/main" xmlns:r="http://schemas.openxmlformats.org/officeDocument/2006/relationships" xmlns:p="http://schemas.openxmlformats.org/presentationml/2006/main">
-  <p:cSld>
-    <p:spTree>
-      <p:nvGrpSpPr>
-        <p:cNvPr id="1" name=""/>
-        <p:cNvGrpSpPr/>
-        <p:nvPr/>
-      </p:nvGrpSpPr>
-      <p:grpSpPr>
-        <a:xfrm>
-          <a:off x="0" y="0"/>
-          <a:ext cx="0" cy="0"/>
-          <a:chOff x="0" y="0"/>
-          <a:chExt cx="0" cy="0"/>
-        </a:xfrm>
-      </p:grpSpPr>
-      <p:sp>
-        <p:nvSpPr>
-          <p:cNvPr id="15" name="Text Placeholder 14"/>
-          <p:cNvSpPr>
-            <a:spLocks noGrp="1"/>
-          </p:cNvSpPr>
-          <p:nvPr>
-            <p:ph type="body" sz="quarter" idx="21"/>
-          </p:nvPr>
-        </p:nvSpPr>
-        <p:spPr/>
-        <p:txBody>
-          <a:bodyPr/>
-          <a:lstStyle/>
-          <a:p>
-            <a:r>
-              <a:rPr lang="en-US" dirty="0" smtClean="0"/>
-              <a:t>Page Objects</a:t>
-            </a:r>
-            <a:endParaRPr lang="en-US" dirty="0"/>
-          </a:p>
-        </p:txBody>
-      </p:sp>
-      <p:sp>
-        <p:nvSpPr>
-          <p:cNvPr id="11" name="Rectangle 2"/>
-          <p:cNvSpPr>
-            <a:spLocks noChangeArrowheads="1"/>
-          </p:cNvSpPr>
-          <p:nvPr/>
-        </p:nvSpPr>
-        <p:spPr bwMode="auto">
-          <a:xfrm>
-            <a:off x="683567" y="1340767"/>
-            <a:ext cx="14684437" cy="45719"/>
-          </a:xfrm>
-          <a:prstGeom prst="rect">
-            <a:avLst/>
-          </a:prstGeom>
-          <a:noFill/>
-          <a:ln>
-            <a:noFill/>
-          </a:ln>
-          <a:effectLst/>
-          <a:extLst>
-            <a:ext uri="{909E8E84-426E-40DD-AFC4-6F175D3DCCD1}">
-              <a14:hiddenFill xmlns:a14="http://schemas.microsoft.com/office/drawing/2010/main">
-                <a:solidFill>
-                  <a:schemeClr val="accent1"/>
-                </a:solidFill>
-              </a14:hiddenFill>
-            </a:ext>
-            <a:ext uri="{91240B29-F687-4F45-9708-019B960494DF}">
-              <a14:hiddenLine xmlns:a14="http://schemas.microsoft.com/office/drawing/2010/main" w="9525">
-                <a:solidFill>
-                  <a:schemeClr val="tx1"/>
-                </a:solidFill>
-                <a:miter lim="800000"/>
-                <a:headEnd/>
-                <a:tailEnd/>
-              </a14:hiddenLine>
-            </a:ext>
-            <a:ext uri="{AF507438-7753-43E0-B8FC-AC1667EBCBE1}">
-              <a14:hiddenEffects xmlns:a14="http://schemas.microsoft.com/office/drawing/2010/main">
-                <a:effectLst>
-                  <a:outerShdw dist="35921" dir="2700000" algn="ctr" rotWithShape="0">
-                    <a:schemeClr val="bg2"/>
-                  </a:outerShdw>
-                </a:effectLst>
-              </a14:hiddenEffects>
-            </a:ext>
-          </a:extLst>
-        </p:spPr>
-        <p:txBody>
-          <a:bodyPr vert="horz" wrap="square" lIns="91440" tIns="45720" rIns="91440" bIns="45720" numCol="1" anchor="ctr" anchorCtr="0" compatLnSpc="1">
-            <a:prstTxWarp prst="textNoShape">
-              <a:avLst/>
-            </a:prstTxWarp>
-            <a:spAutoFit/>
-          </a:bodyPr>
-          <a:lstStyle/>
-          <a:p>
-            <a:endParaRPr lang="en-GB"/>
-          </a:p>
-        </p:txBody>
-      </p:sp>
-      <p:pic>
-        <p:nvPicPr>
-          <p:cNvPr id="5" name="Picture 4"/>
-          <p:cNvPicPr/>
-          <p:nvPr/>
-        </p:nvPicPr>
-        <p:blipFill>
-          <a:blip r:embed="rId3"/>
-          <a:stretch>
-            <a:fillRect/>
-          </a:stretch>
-        </p:blipFill>
-        <p:spPr>
-          <a:xfrm>
-            <a:off x="656207" y="4005064"/>
-            <a:ext cx="8208912" cy="2088232"/>
-          </a:xfrm>
-          <a:prstGeom prst="rect">
-            <a:avLst/>
-          </a:prstGeom>
-        </p:spPr>
-      </p:pic>
-      <p:pic>
-        <p:nvPicPr>
-          <p:cNvPr id="7" name="Picture 6"/>
-          <p:cNvPicPr/>
-          <p:nvPr/>
-        </p:nvPicPr>
-        <p:blipFill>
-          <a:blip r:embed="rId4"/>
-          <a:stretch>
-            <a:fillRect/>
-          </a:stretch>
-        </p:blipFill>
-        <p:spPr>
-          <a:xfrm>
-            <a:off x="656207" y="1392187"/>
-            <a:ext cx="5832648" cy="2312947"/>
-          </a:xfrm>
-          <a:prstGeom prst="rect">
-            <a:avLst/>
-          </a:prstGeom>
-        </p:spPr>
-      </p:pic>
-    </p:spTree>
-    <p:extLst>
-      <p:ext uri="{BB962C8B-B14F-4D97-AF65-F5344CB8AC3E}">
-        <p14:creationId xmlns:p14="http://schemas.microsoft.com/office/powerpoint/2010/main" val="1877169726"/>
-      </p:ext>
-    </p:extLst>
-  </p:cSld>
-  <p:clrMapOvr>
-    <a:masterClrMapping/>
-  </p:clrMapOvr>
-  <p:timing>
-    <p:tnLst>
-      <p:par>
-        <p:cTn id="1" dur="indefinite" restart="never" nodeType="tmRoot"/>
-      </p:par>
-    </p:tnLst>
-  </p:timing>
-</p:sld>
-</file>
-
-<file path=ppt/slides/slide9.xml><?xml version="1.0" encoding="utf-8"?>
-<p:sld xmlns:a="http://schemas.openxmlformats.org/drawingml/2006/main" xmlns:r="http://schemas.openxmlformats.org/officeDocument/2006/relationships" xmlns:p="http://schemas.openxmlformats.org/presentationml/2006/main">
-  <p:cSld>
-    <p:spTree>
-      <p:nvGrpSpPr>
-        <p:cNvPr id="1" name=""/>
-        <p:cNvGrpSpPr/>
-        <p:nvPr/>
-      </p:nvGrpSpPr>
-      <p:grpSpPr>
-        <a:xfrm>
-          <a:off x="0" y="0"/>
-          <a:ext cx="0" cy="0"/>
-          <a:chOff x="0" y="0"/>
-          <a:chExt cx="0" cy="0"/>
-        </a:xfrm>
-      </p:grpSpPr>
-      <p:sp>
-        <p:nvSpPr>
-          <p:cNvPr id="15" name="Text Placeholder 14"/>
-          <p:cNvSpPr>
-            <a:spLocks noGrp="1"/>
-          </p:cNvSpPr>
-          <p:nvPr>
-            <p:ph type="body" sz="quarter" idx="21"/>
-          </p:nvPr>
-        </p:nvSpPr>
-        <p:spPr/>
-        <p:txBody>
-          <a:bodyPr/>
-          <a:lstStyle/>
-          <a:p>
-            <a:r>
-              <a:rPr lang="en-US" dirty="0" smtClean="0"/>
-              <a:t>Example, The Calculator</a:t>
-            </a:r>
-            <a:endParaRPr lang="en-US" dirty="0"/>
-          </a:p>
-        </p:txBody>
-      </p:sp>
-      <p:pic>
-        <p:nvPicPr>
-          <p:cNvPr id="4" name="Picture 3"/>
-          <p:cNvPicPr/>
-          <p:nvPr/>
-        </p:nvPicPr>
-        <p:blipFill>
-          <a:blip r:embed="rId2"/>
-          <a:stretch>
-            <a:fillRect/>
-          </a:stretch>
-        </p:blipFill>
-        <p:spPr>
-          <a:xfrm>
-            <a:off x="1043608" y="1988840"/>
-            <a:ext cx="7128842" cy="3816424"/>
-          </a:xfrm>
-          <a:prstGeom prst="rect">
-            <a:avLst/>
-          </a:prstGeom>
-        </p:spPr>
-      </p:pic>
-    </p:spTree>
-    <p:extLst>
-      <p:ext uri="{BB962C8B-B14F-4D97-AF65-F5344CB8AC3E}">
-        <p14:creationId xmlns:p14="http://schemas.microsoft.com/office/powerpoint/2010/main" val="872848841"/>
       </p:ext>
     </p:extLst>
   </p:cSld>
